--- a/Презентация на тему.pptx
+++ b/Презентация на тему.pptx
@@ -4080,8 +4080,8 @@
         </p:nvSpPr>
         <p:spPr>
           <a:xfrm>
-            <a:off x="3131840" y="843558"/>
-            <a:ext cx="1603388" cy="523220"/>
+            <a:off x="2915816" y="915566"/>
+            <a:ext cx="1628394" cy="523220"/>
           </a:xfrm>
           <a:prstGeom prst="rect">
             <a:avLst/>
@@ -4095,20 +4095,20 @@
           <a:lstStyle/>
           <a:p>
             <a:r>
-              <a:rPr lang="ru-RU" sz="1400" dirty="0" smtClean="0"/>
+              <a:rPr lang="ru-RU" sz="1400" b="1" dirty="0" smtClean="0"/>
               <a:t>Начало игры</a:t>
             </a:r>
           </a:p>
           <a:p>
             <a:r>
-              <a:rPr lang="ru-RU" sz="1400" dirty="0" smtClean="0"/>
+              <a:rPr lang="ru-RU" sz="1400" b="1" dirty="0" smtClean="0"/>
               <a:t>и</a:t>
             </a:r>
             <a:r>
-              <a:rPr lang="ru-RU" sz="1400" dirty="0" smtClean="0"/>
+              <a:rPr lang="ru-RU" sz="1400" b="1" dirty="0" smtClean="0"/>
               <a:t> отсчёта времени</a:t>
             </a:r>
-            <a:endParaRPr lang="ru-RU" sz="1400" dirty="0"/>
+            <a:endParaRPr lang="ru-RU" sz="1400" b="1" dirty="0"/>
           </a:p>
         </p:txBody>
       </p:sp>
@@ -4181,8 +4181,8 @@
         </p:nvSpPr>
         <p:spPr>
           <a:xfrm>
-            <a:off x="6084168" y="3435846"/>
-            <a:ext cx="1944216" cy="738664"/>
+            <a:off x="6012160" y="3435846"/>
+            <a:ext cx="2160240" cy="954107"/>
           </a:xfrm>
           <a:prstGeom prst="rect">
             <a:avLst/>
@@ -4205,7 +4205,7 @@
             </a:r>
             <a:r>
               <a:rPr lang="ru-RU" sz="1400" dirty="0" smtClean="0"/>
-              <a:t>времени и неправильных кнопок</a:t>
+              <a:t>времени и неправильных кнопок при правильном выборе кнопки</a:t>
             </a:r>
             <a:endParaRPr lang="ru-RU" sz="1400" dirty="0"/>
           </a:p>
